--- a/slides/05-numbers.pptx
+++ b/slides/05-numbers.pptx
@@ -5,7 +5,7 @@
     <p:sldMasterId id="2147483852" r:id="rId1"/>
   </p:sldMasterIdLst>
   <p:notesMasterIdLst>
-    <p:notesMasterId r:id="rId27"/>
+    <p:notesMasterId r:id="rId25"/>
   </p:notesMasterIdLst>
   <p:sldIdLst>
     <p:sldId id="256" r:id="rId2"/>
@@ -31,8 +31,6 @@
     <p:sldId id="350" r:id="rId22"/>
     <p:sldId id="364" r:id="rId23"/>
     <p:sldId id="333" r:id="rId24"/>
-    <p:sldId id="365" r:id="rId25"/>
-    <p:sldId id="366" r:id="rId26"/>
   </p:sldIdLst>
   <p:sldSz cx="12192000" cy="6858000"/>
   <p:notesSz cx="6858000" cy="9144000"/>
@@ -221,7 +219,7 @@
           <a:p>
             <a:fld id="{3CBB8A52-8AC5-C74C-97FB-632C448F3674}" type="datetimeFigureOut">
               <a:rPr lang="en-US" smtClean="0"/>
-              <a:t>9/12/23</a:t>
+              <a:t>9/14/23</a:t>
             </a:fld>
             <a:endParaRPr lang="en-US"/>
           </a:p>
@@ -656,174 +654,6 @@
 </p:notes>
 </file>
 
-<file path=ppt/notesSlides/notesSlide11.xml><?xml version="1.0" encoding="utf-8"?>
-<p:notes xmlns:a="http://schemas.openxmlformats.org/drawingml/2006/main" xmlns:r="http://schemas.openxmlformats.org/officeDocument/2006/relationships" xmlns:p="http://schemas.openxmlformats.org/presentationml/2006/main">
-  <p:cSld>
-    <p:spTree>
-      <p:nvGrpSpPr>
-        <p:cNvPr id="1" name=""/>
-        <p:cNvGrpSpPr/>
-        <p:nvPr/>
-      </p:nvGrpSpPr>
-      <p:grpSpPr>
-        <a:xfrm>
-          <a:off x="0" y="0"/>
-          <a:ext cx="0" cy="0"/>
-          <a:chOff x="0" y="0"/>
-          <a:chExt cx="0" cy="0"/>
-        </a:xfrm>
-      </p:grpSpPr>
-      <p:sp>
-        <p:nvSpPr>
-          <p:cNvPr id="2" name="Slide Image Placeholder 1"/>
-          <p:cNvSpPr>
-            <a:spLocks noGrp="1" noRot="1" noChangeAspect="1"/>
-          </p:cNvSpPr>
-          <p:nvPr>
-            <p:ph type="sldImg"/>
-          </p:nvPr>
-        </p:nvSpPr>
-        <p:spPr/>
-      </p:sp>
-      <p:sp>
-        <p:nvSpPr>
-          <p:cNvPr id="3" name="Notes Placeholder 2"/>
-          <p:cNvSpPr>
-            <a:spLocks noGrp="1"/>
-          </p:cNvSpPr>
-          <p:nvPr>
-            <p:ph type="body" idx="1"/>
-          </p:nvPr>
-        </p:nvSpPr>
-        <p:spPr/>
-        <p:txBody>
-          <a:bodyPr/>
-          <a:lstStyle/>
-          <a:p>
-            <a:endParaRPr lang="en-US" dirty="0"/>
-          </a:p>
-        </p:txBody>
-      </p:sp>
-      <p:sp>
-        <p:nvSpPr>
-          <p:cNvPr id="4" name="Slide Number Placeholder 3"/>
-          <p:cNvSpPr>
-            <a:spLocks noGrp="1"/>
-          </p:cNvSpPr>
-          <p:nvPr>
-            <p:ph type="sldNum" sz="quarter" idx="10"/>
-          </p:nvPr>
-        </p:nvSpPr>
-        <p:spPr/>
-        <p:txBody>
-          <a:bodyPr/>
-          <a:lstStyle/>
-          <a:p>
-            <a:fld id="{77F12483-E947-6F4E-A75E-B2E677827779}" type="slidenum">
-              <a:rPr lang="en-US" smtClean="0"/>
-              <a:t>24</a:t>
-            </a:fld>
-            <a:endParaRPr lang="en-US"/>
-          </a:p>
-        </p:txBody>
-      </p:sp>
-    </p:spTree>
-    <p:extLst>
-      <p:ext uri="{BB962C8B-B14F-4D97-AF65-F5344CB8AC3E}">
-        <p14:creationId xmlns:p14="http://schemas.microsoft.com/office/powerpoint/2010/main" val="2060722736"/>
-      </p:ext>
-    </p:extLst>
-  </p:cSld>
-  <p:clrMapOvr>
-    <a:masterClrMapping/>
-  </p:clrMapOvr>
-</p:notes>
-</file>
-
-<file path=ppt/notesSlides/notesSlide12.xml><?xml version="1.0" encoding="utf-8"?>
-<p:notes xmlns:a="http://schemas.openxmlformats.org/drawingml/2006/main" xmlns:r="http://schemas.openxmlformats.org/officeDocument/2006/relationships" xmlns:p="http://schemas.openxmlformats.org/presentationml/2006/main">
-  <p:cSld>
-    <p:spTree>
-      <p:nvGrpSpPr>
-        <p:cNvPr id="1" name=""/>
-        <p:cNvGrpSpPr/>
-        <p:nvPr/>
-      </p:nvGrpSpPr>
-      <p:grpSpPr>
-        <a:xfrm>
-          <a:off x="0" y="0"/>
-          <a:ext cx="0" cy="0"/>
-          <a:chOff x="0" y="0"/>
-          <a:chExt cx="0" cy="0"/>
-        </a:xfrm>
-      </p:grpSpPr>
-      <p:sp>
-        <p:nvSpPr>
-          <p:cNvPr id="2" name="Slide Image Placeholder 1"/>
-          <p:cNvSpPr>
-            <a:spLocks noGrp="1" noRot="1" noChangeAspect="1"/>
-          </p:cNvSpPr>
-          <p:nvPr>
-            <p:ph type="sldImg"/>
-          </p:nvPr>
-        </p:nvSpPr>
-        <p:spPr/>
-      </p:sp>
-      <p:sp>
-        <p:nvSpPr>
-          <p:cNvPr id="3" name="Notes Placeholder 2"/>
-          <p:cNvSpPr>
-            <a:spLocks noGrp="1"/>
-          </p:cNvSpPr>
-          <p:nvPr>
-            <p:ph type="body" idx="1"/>
-          </p:nvPr>
-        </p:nvSpPr>
-        <p:spPr/>
-        <p:txBody>
-          <a:bodyPr/>
-          <a:lstStyle/>
-          <a:p>
-            <a:endParaRPr lang="en-US" dirty="0"/>
-          </a:p>
-        </p:txBody>
-      </p:sp>
-      <p:sp>
-        <p:nvSpPr>
-          <p:cNvPr id="4" name="Slide Number Placeholder 3"/>
-          <p:cNvSpPr>
-            <a:spLocks noGrp="1"/>
-          </p:cNvSpPr>
-          <p:nvPr>
-            <p:ph type="sldNum" sz="quarter" idx="10"/>
-          </p:nvPr>
-        </p:nvSpPr>
-        <p:spPr/>
-        <p:txBody>
-          <a:bodyPr/>
-          <a:lstStyle/>
-          <a:p>
-            <a:fld id="{77F12483-E947-6F4E-A75E-B2E677827779}" type="slidenum">
-              <a:rPr lang="en-US" smtClean="0"/>
-              <a:t>25</a:t>
-            </a:fld>
-            <a:endParaRPr lang="en-US"/>
-          </a:p>
-        </p:txBody>
-      </p:sp>
-    </p:spTree>
-    <p:extLst>
-      <p:ext uri="{BB962C8B-B14F-4D97-AF65-F5344CB8AC3E}">
-        <p14:creationId xmlns:p14="http://schemas.microsoft.com/office/powerpoint/2010/main" val="1238576531"/>
-      </p:ext>
-    </p:extLst>
-  </p:cSld>
-  <p:clrMapOvr>
-    <a:masterClrMapping/>
-  </p:clrMapOvr>
-</p:notes>
-</file>
-
 <file path=ppt/notesSlides/notesSlide2.xml><?xml version="1.0" encoding="utf-8"?>
 <p:notes xmlns:a="http://schemas.openxmlformats.org/drawingml/2006/main" xmlns:r="http://schemas.openxmlformats.org/officeDocument/2006/relationships" xmlns:p="http://schemas.openxmlformats.org/presentationml/2006/main">
   <p:cSld>
@@ -1773,7 +1603,7 @@
             <a:fld id="{5586B75A-687E-405C-8A0B-8D00578BA2C3}" type="datetimeFigureOut">
               <a:rPr lang="en-US" smtClean="0"/>
               <a:pPr/>
-              <a:t>9/12/23</a:t>
+              <a:t>9/14/23</a:t>
             </a:fld>
             <a:endParaRPr lang="en-US" dirty="0"/>
           </a:p>
@@ -1945,7 +1775,7 @@
             <a:fld id="{5586B75A-687E-405C-8A0B-8D00578BA2C3}" type="datetimeFigureOut">
               <a:rPr lang="en-US" smtClean="0"/>
               <a:pPr/>
-              <a:t>9/12/23</a:t>
+              <a:t>9/14/23</a:t>
             </a:fld>
             <a:endParaRPr lang="en-US" dirty="0"/>
           </a:p>
@@ -2127,7 +1957,7 @@
             <a:fld id="{5586B75A-687E-405C-8A0B-8D00578BA2C3}" type="datetimeFigureOut">
               <a:rPr lang="en-US" smtClean="0"/>
               <a:pPr/>
-              <a:t>9/12/23</a:t>
+              <a:t>9/14/23</a:t>
             </a:fld>
             <a:endParaRPr lang="en-US" dirty="0"/>
           </a:p>
@@ -2299,7 +2129,7 @@
             <a:fld id="{5586B75A-687E-405C-8A0B-8D00578BA2C3}" type="datetimeFigureOut">
               <a:rPr lang="en-US" smtClean="0"/>
               <a:pPr/>
-              <a:t>9/12/23</a:t>
+              <a:t>9/14/23</a:t>
             </a:fld>
             <a:endParaRPr lang="en-US" dirty="0"/>
           </a:p>
@@ -2555,7 +2385,7 @@
             <a:fld id="{5586B75A-687E-405C-8A0B-8D00578BA2C3}" type="datetimeFigureOut">
               <a:rPr lang="en-US" smtClean="0"/>
               <a:pPr/>
-              <a:t>9/12/23</a:t>
+              <a:t>9/14/23</a:t>
             </a:fld>
             <a:endParaRPr lang="en-US" dirty="0"/>
           </a:p>
@@ -2845,7 +2675,7 @@
             <a:fld id="{5586B75A-687E-405C-8A0B-8D00578BA2C3}" type="datetimeFigureOut">
               <a:rPr lang="en-US" smtClean="0"/>
               <a:pPr/>
-              <a:t>9/12/23</a:t>
+              <a:t>9/14/23</a:t>
             </a:fld>
             <a:endParaRPr lang="en-US" dirty="0"/>
           </a:p>
@@ -3289,7 +3119,7 @@
             <a:fld id="{5586B75A-687E-405C-8A0B-8D00578BA2C3}" type="datetimeFigureOut">
               <a:rPr lang="en-US" smtClean="0"/>
               <a:pPr/>
-              <a:t>9/12/23</a:t>
+              <a:t>9/14/23</a:t>
             </a:fld>
             <a:endParaRPr lang="en-US" dirty="0"/>
           </a:p>
@@ -3409,7 +3239,7 @@
             <a:fld id="{5586B75A-687E-405C-8A0B-8D00578BA2C3}" type="datetimeFigureOut">
               <a:rPr lang="en-US" smtClean="0"/>
               <a:pPr/>
-              <a:t>9/12/23</a:t>
+              <a:t>9/14/23</a:t>
             </a:fld>
             <a:endParaRPr lang="en-US" dirty="0"/>
           </a:p>
@@ -3506,7 +3336,7 @@
             <a:fld id="{5586B75A-687E-405C-8A0B-8D00578BA2C3}" type="datetimeFigureOut">
               <a:rPr lang="en-US" smtClean="0"/>
               <a:pPr/>
-              <a:t>9/12/23</a:t>
+              <a:t>9/14/23</a:t>
             </a:fld>
             <a:endParaRPr lang="en-US" dirty="0"/>
           </a:p>
@@ -3796,7 +3626,7 @@
             <a:fld id="{5586B75A-687E-405C-8A0B-8D00578BA2C3}" type="datetimeFigureOut">
               <a:rPr lang="en-US" smtClean="0"/>
               <a:pPr/>
-              <a:t>9/12/23</a:t>
+              <a:t>9/14/23</a:t>
             </a:fld>
             <a:endParaRPr lang="en-US" dirty="0"/>
           </a:p>
@@ -4071,7 +3901,7 @@
             <a:fld id="{5586B75A-687E-405C-8A0B-8D00578BA2C3}" type="datetimeFigureOut">
               <a:rPr lang="en-US" smtClean="0"/>
               <a:pPr/>
-              <a:t>9/12/23</a:t>
+              <a:t>9/14/23</a:t>
             </a:fld>
             <a:endParaRPr lang="en-US" dirty="0"/>
           </a:p>
@@ -4370,7 +4200,7 @@
             <a:fld id="{5586B75A-687E-405C-8A0B-8D00578BA2C3}" type="datetimeFigureOut">
               <a:rPr lang="en-US" smtClean="0"/>
               <a:pPr/>
-              <a:t>9/12/23</a:t>
+              <a:t>9/14/23</a:t>
             </a:fld>
             <a:endParaRPr lang="en-US" dirty="0"/>
           </a:p>
@@ -9259,354 +9089,6 @@
 </p:sld>
 </file>
 
-<file path=ppt/slides/slide24.xml><?xml version="1.0" encoding="utf-8"?>
-<p:sld xmlns:a="http://schemas.openxmlformats.org/drawingml/2006/main" xmlns:r="http://schemas.openxmlformats.org/officeDocument/2006/relationships" xmlns:p="http://schemas.openxmlformats.org/presentationml/2006/main">
-  <p:cSld>
-    <p:spTree>
-      <p:nvGrpSpPr>
-        <p:cNvPr id="1" name=""/>
-        <p:cNvGrpSpPr/>
-        <p:nvPr/>
-      </p:nvGrpSpPr>
-      <p:grpSpPr>
-        <a:xfrm>
-          <a:off x="0" y="0"/>
-          <a:ext cx="0" cy="0"/>
-          <a:chOff x="0" y="0"/>
-          <a:chExt cx="0" cy="0"/>
-        </a:xfrm>
-      </p:grpSpPr>
-      <p:sp>
-        <p:nvSpPr>
-          <p:cNvPr id="2" name="Title 1">
-            <a:extLst>
-              <a:ext uri="{FF2B5EF4-FFF2-40B4-BE49-F238E27FC236}">
-                <a16:creationId xmlns:a16="http://schemas.microsoft.com/office/drawing/2014/main" id="{2B4748C1-0DDC-CD4F-9C35-E0061B9BB3E2}"/>
-              </a:ext>
-            </a:extLst>
-          </p:cNvPr>
-          <p:cNvSpPr>
-            <a:spLocks noGrp="1"/>
-          </p:cNvSpPr>
-          <p:nvPr>
-            <p:ph type="title"/>
-          </p:nvPr>
-        </p:nvSpPr>
-        <p:spPr/>
-        <p:txBody>
-          <a:bodyPr/>
-          <a:lstStyle/>
-          <a:p>
-            <a:r>
-              <a:rPr lang="en-US"/>
-              <a:t>Assignment #</a:t>
-            </a:r>
-            <a:r>
-              <a:rPr lang="en-US" dirty="0"/>
-              <a:t>2: clunky calculator</a:t>
-            </a:r>
-          </a:p>
-        </p:txBody>
-      </p:sp>
-      <p:sp>
-        <p:nvSpPr>
-          <p:cNvPr id="3" name="Content Placeholder 2">
-            <a:extLst>
-              <a:ext uri="{FF2B5EF4-FFF2-40B4-BE49-F238E27FC236}">
-                <a16:creationId xmlns:a16="http://schemas.microsoft.com/office/drawing/2014/main" id="{02C4B9C3-658B-2C4C-8CE9-CD53F1FDAA32}"/>
-              </a:ext>
-            </a:extLst>
-          </p:cNvPr>
-          <p:cNvSpPr>
-            <a:spLocks noGrp="1"/>
-          </p:cNvSpPr>
-          <p:nvPr>
-            <p:ph idx="1"/>
-          </p:nvPr>
-        </p:nvSpPr>
-        <p:spPr/>
-        <p:txBody>
-          <a:bodyPr anchor="t">
-            <a:normAutofit/>
-          </a:bodyPr>
-          <a:lstStyle/>
-          <a:p>
-            <a:r>
-              <a:rPr lang="en-US" sz="2800" dirty="0"/>
-              <a:t>In this assignment, you will write a short python program that simulates </a:t>
-            </a:r>
-            <a:r>
-              <a:rPr lang="en-US" sz="2800" b="1" dirty="0"/>
-              <a:t>basic calculator functionality</a:t>
-            </a:r>
-            <a:r>
-              <a:rPr lang="en-US" sz="2800" dirty="0"/>
-              <a:t>.</a:t>
-            </a:r>
-          </a:p>
-          <a:p>
-            <a:r>
-              <a:rPr lang="en-US" sz="2800" dirty="0"/>
-              <a:t>The user interface of your calculator should ask the user to input </a:t>
-            </a:r>
-            <a:r>
-              <a:rPr lang="en-US" sz="2800" b="1" dirty="0"/>
-              <a:t>two numbers</a:t>
-            </a:r>
-            <a:r>
-              <a:rPr lang="en-US" sz="2800" dirty="0"/>
-              <a:t>, and then a </a:t>
-            </a:r>
-            <a:r>
-              <a:rPr lang="en-US" sz="2800" b="1" dirty="0"/>
-              <a:t>string</a:t>
-            </a:r>
-            <a:r>
-              <a:rPr lang="en-US" sz="2800" dirty="0"/>
-              <a:t> indicating which mathematical operation to perform. For example:</a:t>
-            </a:r>
-          </a:p>
-          <a:p>
-            <a:endParaRPr lang="en-US" sz="2800" dirty="0"/>
-          </a:p>
-          <a:p>
-            <a:endParaRPr lang="en-US" sz="2800" dirty="0"/>
-          </a:p>
-        </p:txBody>
-      </p:sp>
-      <p:pic>
-        <p:nvPicPr>
-          <p:cNvPr id="4" name="Picture 3"/>
-          <p:cNvPicPr>
-            <a:picLocks noChangeAspect="1"/>
-          </p:cNvPicPr>
-          <p:nvPr/>
-        </p:nvPicPr>
-        <p:blipFill>
-          <a:blip r:embed="rId3">
-            <a:extLst>
-              <a:ext uri="{28A0092B-C50C-407E-A947-70E740481C1C}">
-                <a14:useLocalDpi xmlns:a14="http://schemas.microsoft.com/office/drawing/2010/main" val="0"/>
-              </a:ext>
-            </a:extLst>
-          </a:blip>
-          <a:stretch>
-            <a:fillRect/>
-          </a:stretch>
-        </p:blipFill>
-        <p:spPr>
-          <a:xfrm>
-            <a:off x="2733307" y="3424428"/>
-            <a:ext cx="9587121" cy="3774331"/>
-          </a:xfrm>
-          <a:prstGeom prst="rect">
-            <a:avLst/>
-          </a:prstGeom>
-        </p:spPr>
-      </p:pic>
-    </p:spTree>
-    <p:extLst>
-      <p:ext uri="{BB962C8B-B14F-4D97-AF65-F5344CB8AC3E}">
-        <p14:creationId xmlns:p14="http://schemas.microsoft.com/office/powerpoint/2010/main" val="1018602539"/>
-      </p:ext>
-    </p:extLst>
-  </p:cSld>
-  <p:clrMapOvr>
-    <a:masterClrMapping/>
-  </p:clrMapOvr>
-</p:sld>
-</file>
-
-<file path=ppt/slides/slide25.xml><?xml version="1.0" encoding="utf-8"?>
-<p:sld xmlns:a="http://schemas.openxmlformats.org/drawingml/2006/main" xmlns:r="http://schemas.openxmlformats.org/officeDocument/2006/relationships" xmlns:p="http://schemas.openxmlformats.org/presentationml/2006/main">
-  <p:cSld>
-    <p:spTree>
-      <p:nvGrpSpPr>
-        <p:cNvPr id="1" name=""/>
-        <p:cNvGrpSpPr/>
-        <p:nvPr/>
-      </p:nvGrpSpPr>
-      <p:grpSpPr>
-        <a:xfrm>
-          <a:off x="0" y="0"/>
-          <a:ext cx="0" cy="0"/>
-          <a:chOff x="0" y="0"/>
-          <a:chExt cx="0" cy="0"/>
-        </a:xfrm>
-      </p:grpSpPr>
-      <p:sp>
-        <p:nvSpPr>
-          <p:cNvPr id="2" name="Title 1">
-            <a:extLst>
-              <a:ext uri="{FF2B5EF4-FFF2-40B4-BE49-F238E27FC236}">
-                <a16:creationId xmlns:a16="http://schemas.microsoft.com/office/drawing/2014/main" id="{2B4748C1-0DDC-CD4F-9C35-E0061B9BB3E2}"/>
-              </a:ext>
-            </a:extLst>
-          </p:cNvPr>
-          <p:cNvSpPr>
-            <a:spLocks noGrp="1"/>
-          </p:cNvSpPr>
-          <p:nvPr>
-            <p:ph type="title"/>
-          </p:nvPr>
-        </p:nvSpPr>
-        <p:spPr/>
-        <p:txBody>
-          <a:bodyPr/>
-          <a:lstStyle/>
-          <a:p>
-            <a:r>
-              <a:rPr lang="en-US" dirty="0"/>
-              <a:t>Assignment #2: clunky calculator</a:t>
-            </a:r>
-          </a:p>
-        </p:txBody>
-      </p:sp>
-      <p:sp>
-        <p:nvSpPr>
-          <p:cNvPr id="3" name="Content Placeholder 2">
-            <a:extLst>
-              <a:ext uri="{FF2B5EF4-FFF2-40B4-BE49-F238E27FC236}">
-                <a16:creationId xmlns:a16="http://schemas.microsoft.com/office/drawing/2014/main" id="{02C4B9C3-658B-2C4C-8CE9-CD53F1FDAA32}"/>
-              </a:ext>
-            </a:extLst>
-          </p:cNvPr>
-          <p:cNvSpPr>
-            <a:spLocks noGrp="1"/>
-          </p:cNvSpPr>
-          <p:nvPr>
-            <p:ph idx="1"/>
-          </p:nvPr>
-        </p:nvSpPr>
-        <p:spPr>
-          <a:xfrm>
-            <a:off x="3869267" y="864108"/>
-            <a:ext cx="8069813" cy="5120640"/>
-          </a:xfrm>
-        </p:spPr>
-        <p:txBody>
-          <a:bodyPr anchor="t">
-            <a:noAutofit/>
-          </a:bodyPr>
-          <a:lstStyle/>
-          <a:p>
-            <a:r>
-              <a:rPr lang="en-US" sz="2800" dirty="0"/>
-              <a:t>Your calculator should support </a:t>
-            </a:r>
-            <a:r>
-              <a:rPr lang="en-US" sz="2800" b="1" dirty="0"/>
-              <a:t>add</a:t>
-            </a:r>
-            <a:r>
-              <a:rPr lang="en-US" sz="2800" dirty="0"/>
-              <a:t>, </a:t>
-            </a:r>
-            <a:r>
-              <a:rPr lang="en-US" sz="2800" b="1" dirty="0"/>
-              <a:t>subtract,</a:t>
-            </a:r>
-            <a:r>
-              <a:rPr lang="en-US" sz="2800" dirty="0"/>
-              <a:t> </a:t>
-            </a:r>
-            <a:r>
-              <a:rPr lang="en-US" sz="2800" b="1" dirty="0"/>
-              <a:t>multiply</a:t>
-            </a:r>
-            <a:r>
-              <a:rPr lang="en-US" sz="2800" dirty="0"/>
-              <a:t>, </a:t>
-            </a:r>
-            <a:r>
-              <a:rPr lang="en-US" sz="2800" b="1" dirty="0"/>
-              <a:t>divide</a:t>
-            </a:r>
-            <a:r>
-              <a:rPr lang="en-US" sz="2800" dirty="0"/>
-              <a:t> and </a:t>
-            </a:r>
-            <a:r>
-              <a:rPr lang="en-US" sz="2800" b="1" dirty="0"/>
-              <a:t>power </a:t>
-            </a:r>
-            <a:r>
-              <a:rPr lang="en-US" sz="2800" dirty="0"/>
-              <a:t>(exponentiation) operations.</a:t>
-            </a:r>
-          </a:p>
-          <a:p>
-            <a:pPr lvl="1"/>
-            <a:r>
-              <a:rPr lang="en-US" sz="2400" dirty="0"/>
-              <a:t>Optional: support </a:t>
-            </a:r>
-            <a:r>
-              <a:rPr lang="en-US" sz="2400" b="1" dirty="0"/>
-              <a:t>integer division</a:t>
-            </a:r>
-            <a:r>
-              <a:rPr lang="en-US" sz="2400" dirty="0"/>
-              <a:t> with a remainder.</a:t>
-            </a:r>
-          </a:p>
-          <a:p>
-            <a:pPr lvl="1"/>
-            <a:r>
-              <a:rPr lang="en-US" sz="2400" dirty="0"/>
-              <a:t>Your calculator should be able to handle both </a:t>
-            </a:r>
-            <a:r>
-              <a:rPr lang="en-US" sz="2400" b="1" dirty="0"/>
-              <a:t>integers</a:t>
-            </a:r>
-            <a:r>
-              <a:rPr lang="en-US" sz="2400" dirty="0"/>
-              <a:t> and </a:t>
-            </a:r>
-            <a:r>
-              <a:rPr lang="en-US" sz="2400" b="1" dirty="0"/>
-              <a:t>floats</a:t>
-            </a:r>
-            <a:r>
-              <a:rPr lang="en-US" sz="2400" dirty="0"/>
-              <a:t>.</a:t>
-            </a:r>
-          </a:p>
-          <a:p>
-            <a:r>
-              <a:rPr lang="en-US" sz="2800" dirty="0"/>
-              <a:t>It’s important that your</a:t>
-            </a:r>
-            <a:r>
-              <a:rPr lang="en-US" sz="2800" b="1" dirty="0"/>
-              <a:t> input goes in the prescribed order</a:t>
-            </a:r>
-            <a:r>
-              <a:rPr lang="en-US" sz="2800" dirty="0"/>
-              <a:t>, and your </a:t>
-            </a:r>
-            <a:r>
-              <a:rPr lang="en-US" sz="2800" b="1" dirty="0"/>
-              <a:t>output is formatted like the example</a:t>
-            </a:r>
-            <a:endParaRPr lang="en-US" sz="2800" dirty="0"/>
-          </a:p>
-        </p:txBody>
-      </p:sp>
-    </p:spTree>
-    <p:extLst>
-      <p:ext uri="{BB962C8B-B14F-4D97-AF65-F5344CB8AC3E}">
-        <p14:creationId xmlns:p14="http://schemas.microsoft.com/office/powerpoint/2010/main" val="1186575339"/>
-      </p:ext>
-    </p:extLst>
-  </p:cSld>
-  <p:clrMapOvr>
-    <a:masterClrMapping/>
-  </p:clrMapOvr>
-</p:sld>
-</file>
-
 <file path=ppt/slides/slide3.xml><?xml version="1.0" encoding="utf-8"?>
 <p:sld xmlns:a="http://schemas.openxmlformats.org/drawingml/2006/main" xmlns:r="http://schemas.openxmlformats.org/officeDocument/2006/relationships" xmlns:p="http://schemas.openxmlformats.org/presentationml/2006/main">
   <p:cSld>
